--- a/report/Socket_Programming_with_Python.pptx
+++ b/report/Socket_Programming_with_Python.pptx
@@ -1,18 +1,18 @@
 
 <file path=ppt/presentation.xml><?xml version="1.0" encoding="utf-8"?>
-<p:presentation xmlns:a="http://schemas.openxmlformats.org/drawingml/2006/main" xmlns:r="http://schemas.openxmlformats.org/officeDocument/2006/relationships" xmlns:p="http://schemas.openxmlformats.org/presentationml/2006/main" saveSubsetFonts="1">
+<p:presentation xmlns:a="http://schemas.openxmlformats.org/drawingml/2006/main" xmlns:r="http://schemas.openxmlformats.org/officeDocument/2006/relationships" xmlns:p="http://schemas.openxmlformats.org/presentationml/2006/main" xmlns:p14="http://schemas.microsoft.com/office/powerpoint/2010/main" saveSubsetFonts="1">
   <p:sldMasterIdLst>
-    <p:sldMasterId id="2147483648" r:id="rId1"/>
+    <p:sldMasterId id="2147483662" r:id="rId13"/>
   </p:sldMasterIdLst>
   <p:sldIdLst>
-    <p:sldId id="256" r:id="rId2"/>
-    <p:sldId id="259" r:id="rId3"/>
-    <p:sldId id="260" r:id="rId4"/>
-    <p:sldId id="261" r:id="rId5"/>
-    <p:sldId id="262" r:id="rId6"/>
-    <p:sldId id="263" r:id="rId7"/>
+    <p:sldId id="256" r:id="rId15"/>
+    <p:sldId id="259" r:id="rId16"/>
+    <p:sldId id="260" r:id="rId17"/>
+    <p:sldId id="261" r:id="rId18"/>
+    <p:sldId id="262" r:id="rId19"/>
+    <p:sldId id="263" r:id="rId20"/>
   </p:sldIdLst>
-  <p:sldSz cx="9144000" cy="6858000" type="screen4x3"/>
+  <p:sldSz cx="9144000" cy="6858000"/>
   <p:notesSz cx="6858000" cy="9144000"/>
   <p:defaultTextStyle>
     <a:defPPr>
@@ -109,6 +109,22 @@
       </a:defRPr>
     </a:lvl9pPr>
   </p:defaultTextStyle>
+  <p:extLst>
+    <p:ext uri="{EFAFB233-063F-42B5-8137-9DF3F51BA10A}">
+      <p15:sldGuideLst xmlns:p15="http://schemas.microsoft.com/office/powerpoint/2012/main">
+        <p15:guide id="0" orient="horz" pos="2159" userDrawn="1">
+          <p15:clr>
+            <a:srgbClr val="A4A3A4"/>
+          </p15:clr>
+        </p15:guide>
+        <p15:guide id="1" pos="2879" userDrawn="1">
+          <p15:clr>
+            <a:srgbClr val="A4A3A4"/>
+          </p15:clr>
+        </p15:guide>
+      </p15:sldGuideLst>
+    </p:ext>
+  </p:extLst>
 </p:presentation>
 </file>
 
@@ -3462,14 +3478,13 @@
 </file>
 
 <file path=ppt/slides/slide3.xml><?xml version="1.0" encoding="utf-8"?>
-<p:sld xmlns:a="http://schemas.openxmlformats.org/drawingml/2006/main" xmlns:r="http://schemas.openxmlformats.org/officeDocument/2006/relationships" xmlns:p="http://schemas.openxmlformats.org/presentationml/2006/main">
+<p:sld xmlns:a="http://schemas.openxmlformats.org/drawingml/2006/main" xmlns:r="http://schemas.openxmlformats.org/officeDocument/2006/relationships" xmlns:p="http://schemas.openxmlformats.org/presentationml/2006/main" xmlns:p14="http://schemas.microsoft.com/office/powerpoint/2010/main">
   <p:cSld>
     <p:bg>
       <p:bgPr>
         <a:solidFill>
           <a:schemeClr val="bg1"/>
         </a:solidFill>
-        <a:effectLst/>
       </p:bgPr>
     </p:bg>
     <p:spTree>
@@ -3496,7 +3511,12 @@
             <p:ph type="ctrTitle"/>
           </p:nvPr>
         </p:nvSpPr>
-        <p:spPr/>
+        <p:spPr>
+          <a:xfrm>
+            <a:off x="685800" y="2130425"/>
+            <a:ext cx="7773035" cy="1470660"/>
+          </a:xfrm>
+        </p:spPr>
         <p:txBody>
           <a:bodyPr/>
           <a:lstStyle/>
@@ -3515,7 +3535,12 @@
             <p:ph type="subTitle" idx="1"/>
           </p:nvPr>
         </p:nvSpPr>
-        <p:spPr/>
+        <p:spPr>
+          <a:xfrm>
+            <a:off x="1371600" y="3886200"/>
+            <a:ext cx="6401435" cy="1753235"/>
+          </a:xfrm>
+        </p:spPr>
         <p:txBody>
           <a:bodyPr/>
           <a:lstStyle/>
@@ -3533,7 +3558,7 @@
         <p:spPr>
           <a:xfrm>
             <a:off x="0" y="0"/>
-            <a:ext cx="3286116" cy="6858000"/>
+            <a:ext cx="3286125" cy="6858000"/>
           </a:xfrm>
           <a:prstGeom prst="rect">
             <a:avLst/>
@@ -3574,45 +3599,81 @@
       <p:sp>
         <p:nvSpPr>
           <p:cNvPr id="5" name="TextBox 4"/>
-          <p:cNvSpPr txBox="1"/>
+          <p:cNvSpPr txBox="1">
+            <a:spLocks/>
+          </p:cNvSpPr>
           <p:nvPr/>
         </p:nvSpPr>
         <p:spPr>
-          <a:xfrm>
-            <a:off x="285720" y="1928802"/>
-            <a:ext cx="2714644" cy="1077218"/>
+          <a:xfrm rot="0">
+            <a:off x="285750" y="1928495"/>
+            <a:ext cx="3049905" cy="1076325"/>
           </a:xfrm>
-          <a:prstGeom prst="rect">
-            <a:avLst/>
-          </a:prstGeom>
+          <a:prstGeom prst="rect"/>
           <a:noFill/>
         </p:spPr>
         <p:txBody>
-          <a:bodyPr wrap="square" rtlCol="0">
+          <a:bodyPr wrap="square" lIns="91440" tIns="45720" rIns="91440" bIns="45720" numCol="1" vert="horz" anchor="t">
             <a:spAutoFit/>
           </a:bodyPr>
           <a:lstStyle/>
           <a:p>
-            <a:r>
-              <a:rPr lang="en-US" altLang="ko-KR" sz="3200" dirty="0" smtClean="0">
-                <a:latin typeface="Bauhaus 93" pitchFamily="82" charset="0"/>
+            <a:pPr marL="0" indent="0" algn="l" fontAlgn="auto" defTabSz="914400" eaLnBrk="0">
+              <a:lnSpc>
+                <a:spcPct val="100000"/>
+              </a:lnSpc>
+              <a:spcBef>
+                <a:spcPts val="0"/>
+              </a:spcBef>
+              <a:spcAft>
+                <a:spcPts val="0"/>
+              </a:spcAft>
+              <a:buFontTx/>
+              <a:buNone/>
+            </a:pPr>
+            <a:r>
+              <a:rPr lang="en-US" altLang="ko-KR" sz="3200" cap="none" dirty="0" smtClean="0" b="0">
+                <a:latin typeface="Bauhaus 93" charset="0"/>
+                <a:ea typeface="Bauhaus 93" charset="0"/>
               </a:rPr>
               <a:t>Socket</a:t>
             </a:r>
-          </a:p>
-          <a:p>
-            <a:r>
-              <a:rPr lang="en-US" altLang="ko-KR" sz="3200" dirty="0" smtClean="0">
-                <a:latin typeface="Bauhaus 93" pitchFamily="82" charset="0"/>
+            <a:endParaRPr lang="ko-KR" altLang="en-US" sz="3200" cap="none" dirty="0" smtClean="0" b="0">
+              <a:latin typeface="Bauhaus 93" charset="0"/>
+              <a:ea typeface="Bauhaus 93" charset="0"/>
+            </a:endParaRPr>
+          </a:p>
+          <a:p>
+            <a:pPr marL="0" indent="0" algn="l" fontAlgn="auto" defTabSz="914400" eaLnBrk="0">
+              <a:lnSpc>
+                <a:spcPct val="100000"/>
+              </a:lnSpc>
+              <a:spcBef>
+                <a:spcPts val="0"/>
+              </a:spcBef>
+              <a:spcAft>
+                <a:spcPts val="0"/>
+              </a:spcAft>
+              <a:buFontTx/>
+              <a:buNone/>
+            </a:pPr>
+            <a:r>
+              <a:rPr lang="en-US" altLang="ko-KR" sz="3200" cap="none" dirty="0" smtClean="0" b="0">
+                <a:latin typeface="Bauhaus 93" charset="0"/>
+                <a:ea typeface="Bauhaus 93" charset="0"/>
               </a:rPr>
               <a:t>Programming</a:t>
             </a:r>
+            <a:endParaRPr lang="ko-KR" altLang="en-US" sz="3200" cap="none" dirty="0" smtClean="0" b="0">
+              <a:latin typeface="Bauhaus 93" charset="0"/>
+              <a:ea typeface="Bauhaus 93" charset="0"/>
+            </a:endParaRPr>
           </a:p>
         </p:txBody>
       </p:sp>
       <p:pic>
         <p:nvPicPr>
-          <p:cNvPr id="17410" name="Picture 2" descr="socket programming에 대한 이미지 검색결과"/>
+          <p:cNvPr id="17410" name="Picture 2"/>
           <p:cNvPicPr>
             <a:picLocks noChangeAspect="1" noChangeArrowheads="1"/>
           </p:cNvPicPr>
@@ -3627,8 +3688,8 @@
         </p:blipFill>
         <p:spPr bwMode="auto">
           <a:xfrm>
-            <a:off x="3357554" y="1357298"/>
-            <a:ext cx="5533733" cy="3857652"/>
+            <a:off x="3357245" y="1356995"/>
+            <a:ext cx="5534025" cy="3857625"/>
           </a:xfrm>
           <a:prstGeom prst="rect">
             <a:avLst/>
@@ -3644,8 +3705,8 @@
         </p:nvSpPr>
         <p:spPr>
           <a:xfrm>
-            <a:off x="6215074" y="1928802"/>
-            <a:ext cx="2428892" cy="642942"/>
+            <a:off x="6215380" y="1928495"/>
+            <a:ext cx="2428875" cy="643255"/>
           </a:xfrm>
           <a:prstGeom prst="rect">
             <a:avLst/>
@@ -3687,6 +3748,14 @@
   <p:clrMapOvr>
     <a:masterClrMapping/>
   </p:clrMapOvr>
+  <mc:AlternateContent xmlns:mc="http://schemas.openxmlformats.org/markup-compatibility/2006">
+    <mc:Choice xmlns:p14="http://schemas.microsoft.com/office/powerpoint/2010/main" Requires="p14">
+      <p:transition spd="slow" p14:dur="2000"/>
+    </mc:Choice>
+    <mc:Fallback>
+      <p:transition spd="slow"/>
+    </mc:Fallback>
+  </mc:AlternateContent>
   <p:timing>
     <p:tnLst>
       <p:par>
@@ -3926,14 +3995,13 @@
 </file>
 
 <file path=ppt/slides/slide5.xml><?xml version="1.0" encoding="utf-8"?>
-<p:sld xmlns:a="http://schemas.openxmlformats.org/drawingml/2006/main" xmlns:r="http://schemas.openxmlformats.org/officeDocument/2006/relationships" xmlns:p="http://schemas.openxmlformats.org/presentationml/2006/main">
+<p:sld xmlns:a="http://schemas.openxmlformats.org/drawingml/2006/main" xmlns:r="http://schemas.openxmlformats.org/officeDocument/2006/relationships" xmlns:p="http://schemas.openxmlformats.org/presentationml/2006/main" xmlns:p14="http://schemas.microsoft.com/office/powerpoint/2010/main">
   <p:cSld>
     <p:bg>
       <p:bgPr>
         <a:solidFill>
           <a:schemeClr val="bg1"/>
         </a:solidFill>
-        <a:effectLst/>
       </p:bgPr>
     </p:bg>
     <p:spTree>
@@ -3960,7 +4028,12 @@
             <p:ph type="ctrTitle"/>
           </p:nvPr>
         </p:nvSpPr>
-        <p:spPr/>
+        <p:spPr>
+          <a:xfrm>
+            <a:off x="685800" y="2130425"/>
+            <a:ext cx="7773035" cy="1470660"/>
+          </a:xfrm>
+        </p:spPr>
         <p:txBody>
           <a:bodyPr/>
           <a:lstStyle/>
@@ -3979,7 +4052,12 @@
             <p:ph type="subTitle" idx="1"/>
           </p:nvPr>
         </p:nvSpPr>
-        <p:spPr/>
+        <p:spPr>
+          <a:xfrm>
+            <a:off x="1371600" y="3886200"/>
+            <a:ext cx="6401435" cy="1753235"/>
+          </a:xfrm>
+        </p:spPr>
         <p:txBody>
           <a:bodyPr/>
           <a:lstStyle/>
@@ -3997,7 +4075,7 @@
         <p:spPr>
           <a:xfrm>
             <a:off x="0" y="0"/>
-            <a:ext cx="3286116" cy="6858000"/>
+            <a:ext cx="3286125" cy="6858000"/>
           </a:xfrm>
           <a:prstGeom prst="rect">
             <a:avLst/>
@@ -4043,8 +4121,8 @@
         </p:nvSpPr>
         <p:spPr>
           <a:xfrm>
-            <a:off x="285720" y="1928802"/>
-            <a:ext cx="2714644" cy="1077218"/>
+            <a:off x="285750" y="1928495"/>
+            <a:ext cx="2714625" cy="1076960"/>
           </a:xfrm>
           <a:prstGeom prst="rect">
             <a:avLst/>
@@ -4074,8 +4152,8 @@
         </p:nvSpPr>
         <p:spPr>
           <a:xfrm>
-            <a:off x="6215074" y="1928802"/>
-            <a:ext cx="2428892" cy="642942"/>
+            <a:off x="6215380" y="1928495"/>
+            <a:ext cx="2428875" cy="643255"/>
           </a:xfrm>
           <a:prstGeom prst="rect">
             <a:avLst/>
@@ -4117,6 +4195,14 @@
   <p:clrMapOvr>
     <a:masterClrMapping/>
   </p:clrMapOvr>
+  <mc:AlternateContent xmlns:mc="http://schemas.openxmlformats.org/markup-compatibility/2006">
+    <mc:Choice xmlns:p14="http://schemas.microsoft.com/office/powerpoint/2010/main" Requires="p14">
+      <p:transition spd="slow" p14:dur="2000"/>
+    </mc:Choice>
+    <mc:Fallback>
+      <p:transition spd="slow"/>
+    </mc:Fallback>
+  </mc:AlternateContent>
   <p:timing>
     <p:tnLst>
       <p:par>
